--- a/20-svg-low-poly/20.pptx
+++ b/20-svg-low-poly/20.pptx
@@ -5,7 +5,7 @@
     <p:sldMasterId id="2147483648" r:id="rId1"/>
   </p:sldMasterIdLst>
   <p:notesMasterIdLst>
-    <p:notesMasterId r:id="rId26"/>
+    <p:notesMasterId r:id="rId27"/>
   </p:notesMasterIdLst>
   <p:sldIdLst>
     <p:sldId id="256" r:id="rId2"/>
@@ -27,11 +27,12 @@
     <p:sldId id="435" r:id="rId18"/>
     <p:sldId id="436" r:id="rId19"/>
     <p:sldId id="437" r:id="rId20"/>
-    <p:sldId id="438" r:id="rId21"/>
-    <p:sldId id="439" r:id="rId22"/>
-    <p:sldId id="440" r:id="rId23"/>
-    <p:sldId id="441" r:id="rId24"/>
-    <p:sldId id="345" r:id="rId25"/>
+    <p:sldId id="442" r:id="rId21"/>
+    <p:sldId id="438" r:id="rId22"/>
+    <p:sldId id="439" r:id="rId23"/>
+    <p:sldId id="440" r:id="rId24"/>
+    <p:sldId id="441" r:id="rId25"/>
+    <p:sldId id="345" r:id="rId26"/>
   </p:sldIdLst>
   <p:sldSz cx="9144000" cy="6858000" type="screen4x3"/>
   <p:notesSz cx="6858000" cy="9144000"/>
@@ -132,7 +133,7 @@
   </p:defaultTextStyle>
   <p:extLst>
     <p:ext uri="{EFAFB233-063F-42B5-8137-9DF3F51BA10A}">
-      <p15:sldGuideLst xmlns="" xmlns:p15="http://schemas.microsoft.com/office/powerpoint/2012/main">
+      <p15:sldGuideLst xmlns:p15="http://schemas.microsoft.com/office/powerpoint/2012/main" xmlns="">
         <p15:guide id="1" orient="horz" pos="2160">
           <p15:clr>
             <a:srgbClr val="A4A3A4"/>
@@ -3623,20 +3624,7 @@
                 <a:latin typeface="微软雅黑" pitchFamily="34" charset="-122"/>
                 <a:ea typeface="微软雅黑" pitchFamily="34" charset="-122"/>
               </a:rPr>
-              <a:t>讲 </a:t>
-            </a:r>
-            <a:r>
-              <a:rPr lang="zh-CN" altLang="en-US" sz="3200" b="1" dirty="0" smtClean="0">
-                <a:solidFill>
-                  <a:schemeClr val="tx1">
-                    <a:lumMod val="75000"/>
-                    <a:lumOff val="25000"/>
-                  </a:schemeClr>
-                </a:solidFill>
-                <a:latin typeface="微软雅黑" pitchFamily="34" charset="-122"/>
-                <a:ea typeface="微软雅黑" pitchFamily="34" charset="-122"/>
-              </a:rPr>
-              <a:t>低面动画</a:t>
+              <a:t>讲 低面动画</a:t>
             </a:r>
             <a:r>
               <a:rPr lang="en-US" altLang="zh-CN" b="1" dirty="0" smtClean="0">
@@ -5836,16 +5824,6 @@
               </a:rPr>
               <a:t>.</a:t>
             </a:r>
-            <a:endParaRPr lang="en-US" altLang="zh-CN" sz="2400" dirty="0" smtClean="0">
-              <a:solidFill>
-                <a:schemeClr val="tx1">
-                  <a:lumMod val="75000"/>
-                  <a:lumOff val="25000"/>
-                </a:schemeClr>
-              </a:solidFill>
-              <a:latin typeface="微软雅黑" pitchFamily="34" charset="-122"/>
-              <a:ea typeface="微软雅黑" pitchFamily="34" charset="-122"/>
-            </a:endParaRPr>
           </a:p>
         </p:txBody>
       </p:sp>
@@ -7728,20 +7706,7 @@
                 <a:latin typeface="微软雅黑" pitchFamily="34" charset="-122"/>
                 <a:ea typeface="微软雅黑" pitchFamily="34" charset="-122"/>
               </a:rPr>
-              <a:t>低面（</a:t>
-            </a:r>
-            <a:r>
-              <a:rPr lang="zh-CN" altLang="en-US" sz="2800" b="1" dirty="0" smtClean="0">
-                <a:solidFill>
-                  <a:schemeClr val="tx1">
-                    <a:lumMod val="75000"/>
-                    <a:lumOff val="25000"/>
-                  </a:schemeClr>
-                </a:solidFill>
-                <a:latin typeface="微软雅黑" pitchFamily="34" charset="-122"/>
-                <a:ea typeface="微软雅黑" pitchFamily="34" charset="-122"/>
-              </a:rPr>
-              <a:t>难度：</a:t>
+              <a:t>低面（难度：</a:t>
             </a:r>
             <a:r>
               <a:rPr lang="en-US" altLang="zh-CN" sz="2800" b="1" dirty="0" smtClean="0">
@@ -7820,7 +7785,20 @@
                 <a:latin typeface="微软雅黑" pitchFamily="34" charset="-122"/>
                 <a:ea typeface="微软雅黑" pitchFamily="34" charset="-122"/>
               </a:rPr>
-              <a:t>本期我们的目标</a:t>
+              <a:t>本期我们的目标是</a:t>
+            </a:r>
+            <a:r>
+              <a:rPr lang="zh-CN" altLang="en-US" sz="2400" dirty="0">
+                <a:solidFill>
+                  <a:schemeClr val="tx1">
+                    <a:lumMod val="75000"/>
+                    <a:lumOff val="25000"/>
+                  </a:schemeClr>
+                </a:solidFill>
+                <a:latin typeface="微软雅黑" pitchFamily="34" charset="-122"/>
+                <a:ea typeface="微软雅黑" pitchFamily="34" charset="-122"/>
+              </a:rPr>
+              <a:t>对</a:t>
             </a:r>
             <a:r>
               <a:rPr lang="zh-CN" altLang="en-US" sz="2400" dirty="0" smtClean="0">
@@ -7833,7 +7811,7 @@
                 <a:latin typeface="微软雅黑" pitchFamily="34" charset="-122"/>
                 <a:ea typeface="微软雅黑" pitchFamily="34" charset="-122"/>
               </a:rPr>
-              <a:t>是</a:t>
+              <a:t>流行的低面风格文本（</a:t>
             </a:r>
             <a:r>
               <a:rPr lang="zh-CN" altLang="en-US" sz="2400" dirty="0">
@@ -7846,7 +7824,7 @@
                 <a:latin typeface="微软雅黑" pitchFamily="34" charset="-122"/>
                 <a:ea typeface="微软雅黑" pitchFamily="34" charset="-122"/>
               </a:rPr>
-              <a:t>对</a:t>
+              <a:t>图像被分割成</a:t>
             </a:r>
             <a:r>
               <a:rPr lang="zh-CN" altLang="en-US" sz="2400" dirty="0" smtClean="0">
@@ -7859,7 +7837,7 @@
                 <a:latin typeface="微软雅黑" pitchFamily="34" charset="-122"/>
                 <a:ea typeface="微软雅黑" pitchFamily="34" charset="-122"/>
               </a:rPr>
-              <a:t>流行的低面风格文本（</a:t>
+              <a:t>很多三角形</a:t>
             </a:r>
             <a:r>
               <a:rPr lang="zh-CN" altLang="en-US" sz="2400" dirty="0">
@@ -7872,7 +7850,7 @@
                 <a:latin typeface="微软雅黑" pitchFamily="34" charset="-122"/>
                 <a:ea typeface="微软雅黑" pitchFamily="34" charset="-122"/>
               </a:rPr>
-              <a:t>图像被分割成</a:t>
+              <a:t>的</a:t>
             </a:r>
             <a:r>
               <a:rPr lang="zh-CN" altLang="en-US" sz="2400" dirty="0" smtClean="0">
@@ -7885,7 +7863,7 @@
                 <a:latin typeface="微软雅黑" pitchFamily="34" charset="-122"/>
                 <a:ea typeface="微软雅黑" pitchFamily="34" charset="-122"/>
               </a:rPr>
-              <a:t>很多三角形</a:t>
+              <a:t>面，颜色非连续变化）</a:t>
             </a:r>
             <a:r>
               <a:rPr lang="zh-CN" altLang="en-US" sz="2400" dirty="0">
@@ -7898,7 +7876,7 @@
                 <a:latin typeface="微软雅黑" pitchFamily="34" charset="-122"/>
                 <a:ea typeface="微软雅黑" pitchFamily="34" charset="-122"/>
               </a:rPr>
-              <a:t>的</a:t>
+              <a:t>制作</a:t>
             </a:r>
             <a:r>
               <a:rPr lang="zh-CN" altLang="en-US" sz="2400" dirty="0" smtClean="0">
@@ -7911,32 +7889,6 @@
                 <a:latin typeface="微软雅黑" pitchFamily="34" charset="-122"/>
                 <a:ea typeface="微软雅黑" pitchFamily="34" charset="-122"/>
               </a:rPr>
-              <a:t>面，颜色非连续变化）</a:t>
-            </a:r>
-            <a:r>
-              <a:rPr lang="zh-CN" altLang="en-US" sz="2400" dirty="0">
-                <a:solidFill>
-                  <a:schemeClr val="tx1">
-                    <a:lumMod val="75000"/>
-                    <a:lumOff val="25000"/>
-                  </a:schemeClr>
-                </a:solidFill>
-                <a:latin typeface="微软雅黑" pitchFamily="34" charset="-122"/>
-                <a:ea typeface="微软雅黑" pitchFamily="34" charset="-122"/>
-              </a:rPr>
-              <a:t>制作</a:t>
-            </a:r>
-            <a:r>
-              <a:rPr lang="zh-CN" altLang="en-US" sz="2400" dirty="0" smtClean="0">
-                <a:solidFill>
-                  <a:schemeClr val="tx1">
-                    <a:lumMod val="75000"/>
-                    <a:lumOff val="25000"/>
-                  </a:schemeClr>
-                </a:solidFill>
-                <a:latin typeface="微软雅黑" pitchFamily="34" charset="-122"/>
-                <a:ea typeface="微软雅黑" pitchFamily="34" charset="-122"/>
-              </a:rPr>
               <a:t>动画；点击文本后，所有三角形面会先后缩小、消失，然后再次显现、放大，并变成另外一组渐变的颜色</a:t>
             </a:r>
             <a:r>
@@ -7952,16 +7904,6 @@
               </a:rPr>
               <a:t>.</a:t>
             </a:r>
-            <a:endParaRPr lang="en-US" altLang="zh-CN" sz="2400" dirty="0" smtClean="0">
-              <a:solidFill>
-                <a:schemeClr val="tx1">
-                  <a:lumMod val="75000"/>
-                  <a:lumOff val="25000"/>
-                </a:schemeClr>
-              </a:solidFill>
-              <a:latin typeface="微软雅黑" pitchFamily="34" charset="-122"/>
-              <a:ea typeface="微软雅黑" pitchFamily="34" charset="-122"/>
-            </a:endParaRPr>
           </a:p>
         </p:txBody>
       </p:sp>
@@ -8060,15 +8002,6 @@
                 <a:tailEnd/>
               </a14:hiddenLine>
             </a:ext>
-            <a:ext uri="{AF507438-7753-43E0-B8FC-AC1667EBCBE1}">
-              <a14:hiddenEffects xmlns:a14="http://schemas.microsoft.com/office/drawing/2010/main">
-                <a:effectLst>
-                  <a:outerShdw dist="35921" dir="2700000" algn="ctr" rotWithShape="0">
-                    <a:schemeClr val="bg2"/>
-                  </a:outerShdw>
-                </a:effectLst>
-              </a14:hiddenEffects>
-            </a:ext>
           </a:extLst>
         </p:spPr>
       </p:pic>
@@ -8109,6 +8042,260 @@
           <a:chExt cx="0" cy="0"/>
         </a:xfrm>
       </p:grpSpPr>
+      <p:pic>
+        <p:nvPicPr>
+          <p:cNvPr id="2" name="图片 1" descr="屏幕剪辑"/>
+          <p:cNvPicPr>
+            <a:picLocks noChangeAspect="1"/>
+          </p:cNvPicPr>
+          <p:nvPr/>
+        </p:nvPicPr>
+        <p:blipFill>
+          <a:blip r:embed="rId2">
+            <a:extLst>
+              <a:ext uri="{28A0092B-C50C-407E-A947-70E740481C1C}">
+                <a14:useLocalDpi xmlns:a14="http://schemas.microsoft.com/office/drawing/2010/main" val="0"/>
+              </a:ext>
+            </a:extLst>
+          </a:blip>
+          <a:stretch>
+            <a:fillRect/>
+          </a:stretch>
+        </p:blipFill>
+        <p:spPr>
+          <a:xfrm>
+            <a:off x="971600" y="620688"/>
+            <a:ext cx="6335009" cy="3829584"/>
+          </a:xfrm>
+          <a:prstGeom prst="rect">
+            <a:avLst/>
+          </a:prstGeom>
+          <a:ln>
+            <a:noFill/>
+          </a:ln>
+          <a:effectLst>
+            <a:outerShdw blurRad="292100" dist="139700" dir="2700000" algn="tl" rotWithShape="0">
+              <a:srgbClr val="333333">
+                <a:alpha val="65000"/>
+              </a:srgbClr>
+            </a:outerShdw>
+          </a:effectLst>
+        </p:spPr>
+      </p:pic>
+      <p:sp>
+        <p:nvSpPr>
+          <p:cNvPr id="3" name="矩形 2"/>
+          <p:cNvSpPr/>
+          <p:nvPr/>
+        </p:nvSpPr>
+        <p:spPr>
+          <a:xfrm>
+            <a:off x="1259632" y="980728"/>
+            <a:ext cx="3672408" cy="288000"/>
+          </a:xfrm>
+          <a:prstGeom prst="rect">
+            <a:avLst/>
+          </a:prstGeom>
+          <a:noFill/>
+          <a:ln w="38100">
+            <a:solidFill>
+              <a:srgbClr val="FF0000"/>
+            </a:solidFill>
+          </a:ln>
+        </p:spPr>
+        <p:style>
+          <a:lnRef idx="2">
+            <a:schemeClr val="accent1">
+              <a:shade val="50000"/>
+            </a:schemeClr>
+          </a:lnRef>
+          <a:fillRef idx="1">
+            <a:schemeClr val="accent1"/>
+          </a:fillRef>
+          <a:effectRef idx="0">
+            <a:schemeClr val="accent1"/>
+          </a:effectRef>
+          <a:fontRef idx="minor">
+            <a:schemeClr val="lt1"/>
+          </a:fontRef>
+        </p:style>
+        <p:txBody>
+          <a:bodyPr rtlCol="0" anchor="ctr"/>
+          <a:lstStyle/>
+          <a:p>
+            <a:pPr algn="ctr"/>
+            <a:endParaRPr lang="zh-CN" altLang="en-US"/>
+          </a:p>
+        </p:txBody>
+      </p:sp>
+      <p:sp>
+        <p:nvSpPr>
+          <p:cNvPr id="4" name="矩形 3"/>
+          <p:cNvSpPr/>
+          <p:nvPr/>
+        </p:nvSpPr>
+        <p:spPr>
+          <a:xfrm>
+            <a:off x="1259632" y="1844824"/>
+            <a:ext cx="5760640" cy="288000"/>
+          </a:xfrm>
+          <a:prstGeom prst="rect">
+            <a:avLst/>
+          </a:prstGeom>
+          <a:noFill/>
+          <a:ln w="38100">
+            <a:solidFill>
+              <a:srgbClr val="FF0000"/>
+            </a:solidFill>
+          </a:ln>
+        </p:spPr>
+        <p:style>
+          <a:lnRef idx="2">
+            <a:schemeClr val="accent1">
+              <a:shade val="50000"/>
+            </a:schemeClr>
+          </a:lnRef>
+          <a:fillRef idx="1">
+            <a:schemeClr val="accent1"/>
+          </a:fillRef>
+          <a:effectRef idx="0">
+            <a:schemeClr val="accent1"/>
+          </a:effectRef>
+          <a:fontRef idx="minor">
+            <a:schemeClr val="lt1"/>
+          </a:fontRef>
+        </p:style>
+        <p:txBody>
+          <a:bodyPr rtlCol="0" anchor="ctr"/>
+          <a:lstStyle/>
+          <a:p>
+            <a:pPr algn="ctr"/>
+            <a:endParaRPr lang="zh-CN" altLang="en-US"/>
+          </a:p>
+        </p:txBody>
+      </p:sp>
+      <p:sp>
+        <p:nvSpPr>
+          <p:cNvPr id="5" name="矩形 4"/>
+          <p:cNvSpPr/>
+          <p:nvPr/>
+        </p:nvSpPr>
+        <p:spPr>
+          <a:xfrm>
+            <a:off x="1259632" y="2708920"/>
+            <a:ext cx="5760640" cy="288000"/>
+          </a:xfrm>
+          <a:prstGeom prst="rect">
+            <a:avLst/>
+          </a:prstGeom>
+          <a:noFill/>
+          <a:ln w="38100">
+            <a:solidFill>
+              <a:srgbClr val="FF0000"/>
+            </a:solidFill>
+          </a:ln>
+        </p:spPr>
+        <p:style>
+          <a:lnRef idx="2">
+            <a:schemeClr val="accent1">
+              <a:shade val="50000"/>
+            </a:schemeClr>
+          </a:lnRef>
+          <a:fillRef idx="1">
+            <a:schemeClr val="accent1"/>
+          </a:fillRef>
+          <a:effectRef idx="0">
+            <a:schemeClr val="accent1"/>
+          </a:effectRef>
+          <a:fontRef idx="minor">
+            <a:schemeClr val="lt1"/>
+          </a:fontRef>
+        </p:style>
+        <p:txBody>
+          <a:bodyPr rtlCol="0" anchor="ctr"/>
+          <a:lstStyle/>
+          <a:p>
+            <a:pPr algn="ctr"/>
+            <a:endParaRPr lang="zh-CN" altLang="en-US"/>
+          </a:p>
+        </p:txBody>
+      </p:sp>
+      <p:sp>
+        <p:nvSpPr>
+          <p:cNvPr id="8" name="矩形 7"/>
+          <p:cNvSpPr/>
+          <p:nvPr/>
+        </p:nvSpPr>
+        <p:spPr>
+          <a:xfrm>
+            <a:off x="1230121" y="3573016"/>
+            <a:ext cx="2765815" cy="288000"/>
+          </a:xfrm>
+          <a:prstGeom prst="rect">
+            <a:avLst/>
+          </a:prstGeom>
+          <a:noFill/>
+          <a:ln w="38100">
+            <a:solidFill>
+              <a:srgbClr val="FF0000"/>
+            </a:solidFill>
+          </a:ln>
+        </p:spPr>
+        <p:style>
+          <a:lnRef idx="2">
+            <a:schemeClr val="accent1">
+              <a:shade val="50000"/>
+            </a:schemeClr>
+          </a:lnRef>
+          <a:fillRef idx="1">
+            <a:schemeClr val="accent1"/>
+          </a:fillRef>
+          <a:effectRef idx="0">
+            <a:schemeClr val="accent1"/>
+          </a:effectRef>
+          <a:fontRef idx="minor">
+            <a:schemeClr val="lt1"/>
+          </a:fontRef>
+        </p:style>
+        <p:txBody>
+          <a:bodyPr rtlCol="0" anchor="ctr"/>
+          <a:lstStyle/>
+          <a:p>
+            <a:pPr algn="ctr"/>
+            <a:endParaRPr lang="zh-CN" altLang="en-US"/>
+          </a:p>
+        </p:txBody>
+      </p:sp>
+    </p:spTree>
+    <p:extLst>
+      <p:ext uri="{BB962C8B-B14F-4D97-AF65-F5344CB8AC3E}">
+        <p14:creationId xmlns:p14="http://schemas.microsoft.com/office/powerpoint/2010/main" val="2295602433"/>
+      </p:ext>
+    </p:extLst>
+  </p:cSld>
+  <p:clrMapOvr>
+    <a:masterClrMapping/>
+  </p:clrMapOvr>
+</p:sld>
+</file>
+
+<file path=ppt/slides/slide21.xml><?xml version="1.0" encoding="utf-8"?>
+<p:sld xmlns:a="http://schemas.openxmlformats.org/drawingml/2006/main" xmlns:r="http://schemas.openxmlformats.org/officeDocument/2006/relationships" xmlns:p="http://schemas.openxmlformats.org/presentationml/2006/main">
+  <p:cSld>
+    <p:spTree>
+      <p:nvGrpSpPr>
+        <p:cNvPr id="1" name=""/>
+        <p:cNvGrpSpPr/>
+        <p:nvPr/>
+      </p:nvGrpSpPr>
+      <p:grpSpPr>
+        <a:xfrm>
+          <a:off x="0" y="0"/>
+          <a:ext cx="0" cy="0"/>
+          <a:chOff x="0" y="0"/>
+          <a:chExt cx="0" cy="0"/>
+        </a:xfrm>
+      </p:grpSpPr>
       <p:sp>
         <p:nvSpPr>
           <p:cNvPr id="2" name="TextBox 1"/>
@@ -8606,7 +8793,7 @@
 </p:sld>
 </file>
 
-<file path=ppt/slides/slide21.xml><?xml version="1.0" encoding="utf-8"?>
+<file path=ppt/slides/slide22.xml><?xml version="1.0" encoding="utf-8"?>
 <p:sld xmlns:a="http://schemas.openxmlformats.org/drawingml/2006/main" xmlns:r="http://schemas.openxmlformats.org/officeDocument/2006/relationships" xmlns:p="http://schemas.openxmlformats.org/presentationml/2006/main">
   <p:cSld>
     <p:spTree>
@@ -8744,7 +8931,7 @@
 </p:sld>
 </file>
 
-<file path=ppt/slides/slide22.xml><?xml version="1.0" encoding="utf-8"?>
+<file path=ppt/slides/slide23.xml><?xml version="1.0" encoding="utf-8"?>
 <p:sld xmlns:a="http://schemas.openxmlformats.org/drawingml/2006/main" xmlns:r="http://schemas.openxmlformats.org/officeDocument/2006/relationships" xmlns:p="http://schemas.openxmlformats.org/presentationml/2006/main">
   <p:cSld>
     <p:spTree>
@@ -8950,16 +9137,6 @@
               </a:rPr>
               <a:t>B</a:t>
             </a:r>
-            <a:endParaRPr lang="en-US" altLang="zh-CN" sz="2000" dirty="0">
-              <a:solidFill>
-                <a:schemeClr val="tx1">
-                  <a:lumMod val="75000"/>
-                  <a:lumOff val="25000"/>
-                </a:schemeClr>
-              </a:solidFill>
-              <a:latin typeface="微软雅黑" pitchFamily="34" charset="-122"/>
-              <a:ea typeface="微软雅黑" pitchFamily="34" charset="-122"/>
-            </a:endParaRPr>
           </a:p>
         </p:txBody>
       </p:sp>
@@ -9094,7 +9271,7 @@
 </p:sld>
 </file>
 
-<file path=ppt/slides/slide23.xml><?xml version="1.0" encoding="utf-8"?>
+<file path=ppt/slides/slide24.xml><?xml version="1.0" encoding="utf-8"?>
 <p:sld xmlns:a="http://schemas.openxmlformats.org/drawingml/2006/main" xmlns:r="http://schemas.openxmlformats.org/officeDocument/2006/relationships" xmlns:p="http://schemas.openxmlformats.org/presentationml/2006/main">
   <p:cSld>
     <p:spTree>
@@ -9530,7 +9707,7 @@
 </p:sld>
 </file>
 
-<file path=ppt/slides/slide24.xml><?xml version="1.0" encoding="utf-8"?>
+<file path=ppt/slides/slide25.xml><?xml version="1.0" encoding="utf-8"?>
 <p:sld xmlns:a="http://schemas.openxmlformats.org/drawingml/2006/main" xmlns:r="http://schemas.openxmlformats.org/officeDocument/2006/relationships" xmlns:p="http://schemas.openxmlformats.org/presentationml/2006/main">
   <p:cSld>
     <p:spTree>
@@ -9944,33 +10121,7 @@
                 <a:latin typeface="微软雅黑" pitchFamily="34" charset="-122"/>
                 <a:ea typeface="微软雅黑" pitchFamily="34" charset="-122"/>
               </a:rPr>
-              <a:t>首先将文本切割成很多三角形面片，</a:t>
-            </a:r>
-            <a:r>
-              <a:rPr lang="zh-CN" altLang="en-US" sz="2400" dirty="0" smtClean="0">
-                <a:solidFill>
-                  <a:schemeClr val="tx1">
-                    <a:lumMod val="75000"/>
-                    <a:lumOff val="25000"/>
-                  </a:schemeClr>
-                </a:solidFill>
-                <a:latin typeface="微软雅黑" pitchFamily="34" charset="-122"/>
-                <a:ea typeface="微软雅黑" pitchFamily="34" charset="-122"/>
-              </a:rPr>
-              <a:t>并且每个面片内部颜色一直，相邻面片颜色接近，</a:t>
-            </a:r>
-            <a:r>
-              <a:rPr lang="zh-CN" altLang="en-US" sz="2400" dirty="0" smtClean="0">
-                <a:solidFill>
-                  <a:schemeClr val="tx1">
-                    <a:lumMod val="75000"/>
-                    <a:lumOff val="25000"/>
-                  </a:schemeClr>
-                </a:solidFill>
-                <a:latin typeface="微软雅黑" pitchFamily="34" charset="-122"/>
-                <a:ea typeface="微软雅黑" pitchFamily="34" charset="-122"/>
-              </a:rPr>
-              <a:t>需借助美术工具完成，实际工作中也</a:t>
+              <a:t>首先将文本切割成很多三角形面片，并且每个面片内部颜色一直，相邻面片颜色接近，需借助美术工具完成，实际工作中也</a:t>
             </a:r>
             <a:r>
               <a:rPr lang="zh-CN" altLang="en-US" sz="2400" dirty="0">
@@ -10158,20 +10309,7 @@
                 <a:latin typeface="微软雅黑" pitchFamily="34" charset="-122"/>
                 <a:ea typeface="微软雅黑" pitchFamily="34" charset="-122"/>
               </a:rPr>
-              <a:t>的不同，以</a:t>
-            </a:r>
-            <a:r>
-              <a:rPr lang="zh-CN" altLang="en-US" sz="2400" dirty="0" smtClean="0">
-                <a:solidFill>
-                  <a:schemeClr val="tx1">
-                    <a:lumMod val="75000"/>
-                    <a:lumOff val="25000"/>
-                  </a:schemeClr>
-                </a:solidFill>
-                <a:latin typeface="微软雅黑" pitchFamily="34" charset="-122"/>
-                <a:ea typeface="微软雅黑" pitchFamily="34" charset="-122"/>
-              </a:rPr>
-              <a:t>画布左上角为原点，不是以元素局部坐标来变换</a:t>
+              <a:t>的不同，以画布左上角为原点，不是以元素局部坐标来变换</a:t>
             </a:r>
             <a:endParaRPr lang="en-US" altLang="zh-CN" sz="2400" dirty="0" smtClean="0">
               <a:solidFill>
@@ -10390,20 +10528,7 @@
                 <a:latin typeface="微软雅黑" pitchFamily="34" charset="-122"/>
                 <a:ea typeface="微软雅黑" pitchFamily="34" charset="-122"/>
               </a:rPr>
-              <a:t> </a:t>
-            </a:r>
-            <a:r>
-              <a:rPr lang="zh-CN" altLang="en-US" sz="2800" b="1" dirty="0" smtClean="0">
-                <a:solidFill>
-                  <a:schemeClr val="tx1">
-                    <a:lumMod val="75000"/>
-                    <a:lumOff val="25000"/>
-                  </a:schemeClr>
-                </a:solidFill>
-                <a:latin typeface="微软雅黑" pitchFamily="34" charset="-122"/>
-                <a:ea typeface="微软雅黑" pitchFamily="34" charset="-122"/>
-              </a:rPr>
-              <a:t>制作低面图像（设计师完成）</a:t>
+              <a:t> 制作低面图像（设计师完成）</a:t>
             </a:r>
             <a:endParaRPr lang="zh-CN" altLang="en-US" sz="2800" b="1" dirty="0">
               <a:solidFill>
@@ -12579,20 +12704,7 @@
                 <a:latin typeface="微软雅黑" pitchFamily="34" charset="-122"/>
                 <a:ea typeface="微软雅黑" pitchFamily="34" charset="-122"/>
               </a:rPr>
-              <a:t>4</a:t>
-            </a:r>
-            <a:r>
-              <a:rPr lang="en-US" altLang="zh-CN" sz="2800" b="1" dirty="0" smtClean="0">
-                <a:solidFill>
-                  <a:schemeClr val="tx1">
-                    <a:lumMod val="75000"/>
-                    <a:lumOff val="25000"/>
-                  </a:schemeClr>
-                </a:solidFill>
-                <a:latin typeface="微软雅黑" pitchFamily="34" charset="-122"/>
-                <a:ea typeface="微软雅黑" pitchFamily="34" charset="-122"/>
-              </a:rPr>
-              <a:t>.</a:t>
+              <a:t>4.</a:t>
             </a:r>
             <a:r>
               <a:rPr lang="zh-CN" altLang="en-US" sz="2800" b="1" dirty="0" smtClean="0">
@@ -13472,7 +13584,7 @@
   <a:extraClrSchemeLst/>
   <a:extLst>
     <a:ext uri="{05A4C25C-085E-4340-85A3-A5531E510DB2}">
-      <thm15:themeFamily xmlns="" xmlns:thm15="http://schemas.microsoft.com/office/thememl/2012/main" name="Office Theme" id="{62F939B6-93AF-4DB8-9C6B-D6C7DFDC589F}" vid="{4A3C46E8-61CC-4603-A589-7422A47A8E4A}"/>
+      <thm15:themeFamily xmlns:thm15="http://schemas.microsoft.com/office/thememl/2012/main" xmlns="" name="Office Theme" id="{62F939B6-93AF-4DB8-9C6B-D6C7DFDC589F}" vid="{4A3C46E8-61CC-4603-A589-7422A47A8E4A}"/>
     </a:ext>
   </a:extLst>
 </a:theme>
